--- a/Front_end_koolitus.pptx
+++ b/Front_end_koolitus.pptx
@@ -12219,7 +12219,9 @@
         </p:nvSpPr>
         <p:spPr/>
         <p:txBody>
-          <a:bodyPr/>
+          <a:bodyPr>
+            <a:normAutofit fontScale="92500" lnSpcReduction="20000"/>
+          </a:bodyPr>
           <a:lstStyle/>
           <a:p>
             <a:r>
@@ -12231,17 +12233,116 @@
           <a:p>
             <a:r>
               <a:rPr lang="et-EE" dirty="0"/>
-              <a:t>Varasem kogemus</a:t>
-            </a:r>
+              <a:t>Varasem </a:t>
+            </a:r>
+            <a:r>
+              <a:rPr lang="et-EE" dirty="0" smtClean="0"/>
+              <a:t>kogemus</a:t>
+            </a:r>
+            <a:endParaRPr lang="en-US" dirty="0" smtClean="0"/>
+          </a:p>
+          <a:p>
+            <a:pPr lvl="1"/>
+            <a:r>
+              <a:rPr lang="en-US" dirty="0" smtClean="0"/>
+              <a:t>Java</a:t>
+            </a:r>
+          </a:p>
+          <a:p>
+            <a:pPr lvl="1"/>
+            <a:r>
+              <a:rPr lang="en-US" dirty="0" smtClean="0"/>
+              <a:t>C++</a:t>
+            </a:r>
+          </a:p>
+          <a:p>
+            <a:pPr lvl="1"/>
+            <a:r>
+              <a:rPr lang="en-US" dirty="0" err="1" smtClean="0"/>
+              <a:t>Javascript</a:t>
+            </a:r>
+            <a:r>
+              <a:rPr lang="en-US" dirty="0" smtClean="0"/>
+              <a:t> (</a:t>
+            </a:r>
+            <a:r>
+              <a:rPr lang="en-US" dirty="0" err="1" smtClean="0"/>
+              <a:t>vähe</a:t>
+            </a:r>
+            <a:r>
+              <a:rPr lang="en-US" dirty="0" smtClean="0"/>
+              <a:t> </a:t>
+            </a:r>
+            <a:r>
+              <a:rPr lang="en-US" dirty="0" err="1" smtClean="0"/>
+              <a:t>kogemust</a:t>
+            </a:r>
+            <a:r>
+              <a:rPr lang="en-US" dirty="0" smtClean="0"/>
+              <a:t>)</a:t>
+            </a:r>
+          </a:p>
+          <a:p>
+            <a:pPr lvl="1"/>
+            <a:r>
+              <a:rPr lang="en-US" dirty="0" smtClean="0"/>
+              <a:t>C# </a:t>
+            </a:r>
+            <a:r>
+              <a:rPr lang="en-US" dirty="0"/>
+              <a:t>(</a:t>
+            </a:r>
+            <a:r>
+              <a:rPr lang="en-US" dirty="0" err="1"/>
+              <a:t>vähe</a:t>
+            </a:r>
+            <a:r>
+              <a:rPr lang="en-US" dirty="0"/>
+              <a:t> </a:t>
+            </a:r>
+            <a:r>
+              <a:rPr lang="en-US" dirty="0" err="1"/>
+              <a:t>kogemust</a:t>
+            </a:r>
+            <a:r>
+              <a:rPr lang="en-US" dirty="0" smtClean="0"/>
+              <a:t>)</a:t>
+            </a:r>
+            <a:endParaRPr lang="et-EE" dirty="0" smtClean="0"/>
           </a:p>
           <a:p>
             <a:endParaRPr lang="et-EE" dirty="0"/>
           </a:p>
           <a:p>
             <a:r>
-              <a:rPr lang="et-EE" dirty="0"/>
+              <a:rPr lang="et-EE" dirty="0" smtClean="0"/>
               <a:t>Ootused</a:t>
             </a:r>
+            <a:endParaRPr lang="en-US" dirty="0" smtClean="0"/>
+          </a:p>
+          <a:p>
+            <a:pPr lvl="1"/>
+            <a:r>
+              <a:rPr lang="en-US" dirty="0" err="1" smtClean="0"/>
+              <a:t>Sissejuhatus</a:t>
+            </a:r>
+            <a:r>
+              <a:rPr lang="en-US" dirty="0" smtClean="0"/>
+              <a:t> </a:t>
+            </a:r>
+            <a:r>
+              <a:rPr lang="en-US" dirty="0" err="1" smtClean="0"/>
+              <a:t>kaasaegsesse</a:t>
+            </a:r>
+            <a:r>
+              <a:rPr lang="en-US" dirty="0" smtClean="0"/>
+              <a:t> front-end </a:t>
+            </a:r>
+            <a:r>
+              <a:rPr lang="en-US" dirty="0" err="1" smtClean="0"/>
+              <a:t>arendusse</a:t>
+            </a:r>
+            <a:endParaRPr lang="en-US" dirty="0" smtClean="0"/>
           </a:p>
         </p:txBody>
       </p:sp>
